--- a/11 Pandas Teil 3/Data Wrangling.pptx
+++ b/11 Pandas Teil 3/Data Wrangling.pptx
@@ -7,15 +7,16 @@
   <p:sldIdLst>
     <p:sldId id="256" r:id="rId2"/>
     <p:sldId id="257" r:id="rId3"/>
-    <p:sldId id="258" r:id="rId4"/>
-    <p:sldId id="259" r:id="rId5"/>
-    <p:sldId id="260" r:id="rId6"/>
-    <p:sldId id="261" r:id="rId7"/>
-    <p:sldId id="262" r:id="rId8"/>
-    <p:sldId id="263" r:id="rId9"/>
-    <p:sldId id="264" r:id="rId10"/>
-    <p:sldId id="265" r:id="rId11"/>
-    <p:sldId id="266" r:id="rId12"/>
+    <p:sldId id="267" r:id="rId4"/>
+    <p:sldId id="258" r:id="rId5"/>
+    <p:sldId id="259" r:id="rId6"/>
+    <p:sldId id="260" r:id="rId7"/>
+    <p:sldId id="261" r:id="rId8"/>
+    <p:sldId id="262" r:id="rId9"/>
+    <p:sldId id="263" r:id="rId10"/>
+    <p:sldId id="264" r:id="rId11"/>
+    <p:sldId id="265" r:id="rId12"/>
+    <p:sldId id="266" r:id="rId13"/>
   </p:sldIdLst>
   <p:sldSz cx="12192000" cy="6858000"/>
   <p:notesSz cx="6858000" cy="9144000"/>
@@ -114,6 +115,11 @@
       </a:defRPr>
     </a:lvl9pPr>
   </p:defaultTextStyle>
+  <p:extLst>
+    <p:ext uri="{EFAFB233-063F-42B5-8137-9DF3F51BA10A}">
+      <p15:sldGuideLst xmlns:p15="http://schemas.microsoft.com/office/powerpoint/2012/main"/>
+    </p:ext>
+  </p:extLst>
 </p:presentation>
 </file>
 
@@ -264,7 +270,7 @@
           <a:p>
             <a:fld id="{7934AE16-1731-F540-8B71-9ED0D5489F75}" type="datetimeFigureOut">
               <a:rPr lang="en-US" smtClean="0"/>
-              <a:t>10/1/21</a:t>
+              <a:t>10/5/21</a:t>
             </a:fld>
             <a:endParaRPr lang="en-US"/>
           </a:p>
@@ -462,7 +468,7 @@
           <a:p>
             <a:fld id="{7934AE16-1731-F540-8B71-9ED0D5489F75}" type="datetimeFigureOut">
               <a:rPr lang="en-US" smtClean="0"/>
-              <a:t>10/1/21</a:t>
+              <a:t>10/5/21</a:t>
             </a:fld>
             <a:endParaRPr lang="en-US"/>
           </a:p>
@@ -670,7 +676,7 @@
           <a:p>
             <a:fld id="{7934AE16-1731-F540-8B71-9ED0D5489F75}" type="datetimeFigureOut">
               <a:rPr lang="en-US" smtClean="0"/>
-              <a:t>10/1/21</a:t>
+              <a:t>10/5/21</a:t>
             </a:fld>
             <a:endParaRPr lang="en-US"/>
           </a:p>
@@ -868,7 +874,7 @@
           <a:p>
             <a:fld id="{7934AE16-1731-F540-8B71-9ED0D5489F75}" type="datetimeFigureOut">
               <a:rPr lang="en-US" smtClean="0"/>
-              <a:t>10/1/21</a:t>
+              <a:t>10/5/21</a:t>
             </a:fld>
             <a:endParaRPr lang="en-US"/>
           </a:p>
@@ -1143,7 +1149,7 @@
           <a:p>
             <a:fld id="{7934AE16-1731-F540-8B71-9ED0D5489F75}" type="datetimeFigureOut">
               <a:rPr lang="en-US" smtClean="0"/>
-              <a:t>10/1/21</a:t>
+              <a:t>10/5/21</a:t>
             </a:fld>
             <a:endParaRPr lang="en-US"/>
           </a:p>
@@ -1408,7 +1414,7 @@
           <a:p>
             <a:fld id="{7934AE16-1731-F540-8B71-9ED0D5489F75}" type="datetimeFigureOut">
               <a:rPr lang="en-US" smtClean="0"/>
-              <a:t>10/1/21</a:t>
+              <a:t>10/5/21</a:t>
             </a:fld>
             <a:endParaRPr lang="en-US"/>
           </a:p>
@@ -1820,7 +1826,7 @@
           <a:p>
             <a:fld id="{7934AE16-1731-F540-8B71-9ED0D5489F75}" type="datetimeFigureOut">
               <a:rPr lang="en-US" smtClean="0"/>
-              <a:t>10/1/21</a:t>
+              <a:t>10/5/21</a:t>
             </a:fld>
             <a:endParaRPr lang="en-US"/>
           </a:p>
@@ -1961,7 +1967,7 @@
           <a:p>
             <a:fld id="{7934AE16-1731-F540-8B71-9ED0D5489F75}" type="datetimeFigureOut">
               <a:rPr lang="en-US" smtClean="0"/>
-              <a:t>10/1/21</a:t>
+              <a:t>10/5/21</a:t>
             </a:fld>
             <a:endParaRPr lang="en-US"/>
           </a:p>
@@ -2074,7 +2080,7 @@
           <a:p>
             <a:fld id="{7934AE16-1731-F540-8B71-9ED0D5489F75}" type="datetimeFigureOut">
               <a:rPr lang="en-US" smtClean="0"/>
-              <a:t>10/1/21</a:t>
+              <a:t>10/5/21</a:t>
             </a:fld>
             <a:endParaRPr lang="en-US"/>
           </a:p>
@@ -2385,7 +2391,7 @@
           <a:p>
             <a:fld id="{7934AE16-1731-F540-8B71-9ED0D5489F75}" type="datetimeFigureOut">
               <a:rPr lang="en-US" smtClean="0"/>
-              <a:t>10/1/21</a:t>
+              <a:t>10/5/21</a:t>
             </a:fld>
             <a:endParaRPr lang="en-US"/>
           </a:p>
@@ -2673,7 +2679,7 @@
           <a:p>
             <a:fld id="{7934AE16-1731-F540-8B71-9ED0D5489F75}" type="datetimeFigureOut">
               <a:rPr lang="en-US" smtClean="0"/>
-              <a:t>10/1/21</a:t>
+              <a:t>10/5/21</a:t>
             </a:fld>
             <a:endParaRPr lang="en-US"/>
           </a:p>
@@ -2914,7 +2920,7 @@
           <a:p>
             <a:fld id="{7934AE16-1731-F540-8B71-9ED0D5489F75}" type="datetimeFigureOut">
               <a:rPr lang="en-US" smtClean="0"/>
-              <a:t>10/1/21</a:t>
+              <a:t>10/5/21</a:t>
             </a:fld>
             <a:endParaRPr lang="en-US"/>
           </a:p>
@@ -3423,6 +3429,781 @@
 </file>
 
 <file path=ppt/slides/slide10.xml><?xml version="1.0" encoding="utf-8"?>
+<p:sld xmlns:a="http://schemas.openxmlformats.org/drawingml/2006/main" xmlns:r="http://schemas.openxmlformats.org/officeDocument/2006/relationships" xmlns:p="http://schemas.openxmlformats.org/presentationml/2006/main">
+  <p:cSld>
+    <p:spTree>
+      <p:nvGrpSpPr>
+        <p:cNvPr id="1" name=""/>
+        <p:cNvGrpSpPr/>
+        <p:nvPr/>
+      </p:nvGrpSpPr>
+      <p:grpSpPr>
+        <a:xfrm>
+          <a:off x="0" y="0"/>
+          <a:ext cx="0" cy="0"/>
+          <a:chOff x="0" y="0"/>
+          <a:chExt cx="0" cy="0"/>
+        </a:xfrm>
+      </p:grpSpPr>
+      <p:sp>
+        <p:nvSpPr>
+          <p:cNvPr id="2" name="Title 1">
+            <a:extLst>
+              <a:ext uri="{FF2B5EF4-FFF2-40B4-BE49-F238E27FC236}">
+                <a16:creationId xmlns:a16="http://schemas.microsoft.com/office/drawing/2014/main" id="{4CBF7F39-C3B5-524F-84FD-4C741E5C46FD}"/>
+              </a:ext>
+            </a:extLst>
+          </p:cNvPr>
+          <p:cNvSpPr>
+            <a:spLocks noGrp="1"/>
+          </p:cNvSpPr>
+          <p:nvPr>
+            <p:ph type="title"/>
+          </p:nvPr>
+        </p:nvSpPr>
+        <p:spPr/>
+        <p:txBody>
+          <a:bodyPr/>
+          <a:lstStyle/>
+          <a:p>
+            <a:r>
+              <a:rPr lang="en-US" dirty="0" err="1"/>
+              <a:t>Berührungspunkte</a:t>
+            </a:r>
+            <a:endParaRPr lang="en-US" dirty="0"/>
+          </a:p>
+        </p:txBody>
+      </p:sp>
+      <p:sp>
+        <p:nvSpPr>
+          <p:cNvPr id="4" name="Rectangle 3">
+            <a:extLst>
+              <a:ext uri="{FF2B5EF4-FFF2-40B4-BE49-F238E27FC236}">
+                <a16:creationId xmlns:a16="http://schemas.microsoft.com/office/drawing/2014/main" id="{1F18825A-11F2-4C44-B616-2CA784903BC7}"/>
+              </a:ext>
+            </a:extLst>
+          </p:cNvPr>
+          <p:cNvSpPr/>
+          <p:nvPr/>
+        </p:nvSpPr>
+        <p:spPr>
+          <a:xfrm>
+            <a:off x="7878291" y="3289462"/>
+            <a:ext cx="2838202" cy="1781299"/>
+          </a:xfrm>
+          <a:prstGeom prst="rect">
+            <a:avLst/>
+          </a:prstGeom>
+        </p:spPr>
+        <p:style>
+          <a:lnRef idx="2">
+            <a:schemeClr val="accent1">
+              <a:shade val="50000"/>
+            </a:schemeClr>
+          </a:lnRef>
+          <a:fillRef idx="1">
+            <a:schemeClr val="accent1"/>
+          </a:fillRef>
+          <a:effectRef idx="0">
+            <a:schemeClr val="accent1"/>
+          </a:effectRef>
+          <a:fontRef idx="minor">
+            <a:schemeClr val="lt1"/>
+          </a:fontRef>
+        </p:style>
+        <p:txBody>
+          <a:bodyPr rtlCol="0" anchor="ctr"/>
+          <a:lstStyle/>
+          <a:p>
+            <a:pPr algn="ctr"/>
+            <a:r>
+              <a:rPr lang="en-US" sz="2400" dirty="0"/>
+              <a:t>Data Wrangling</a:t>
+            </a:r>
+          </a:p>
+        </p:txBody>
+      </p:sp>
+      <p:sp>
+        <p:nvSpPr>
+          <p:cNvPr id="3" name="Left-Up Arrow 2">
+            <a:extLst>
+              <a:ext uri="{FF2B5EF4-FFF2-40B4-BE49-F238E27FC236}">
+                <a16:creationId xmlns:a16="http://schemas.microsoft.com/office/drawing/2014/main" id="{E89C9BE7-D989-6747-BB2A-FC41D20C6D6C}"/>
+              </a:ext>
+            </a:extLst>
+          </p:cNvPr>
+          <p:cNvSpPr/>
+          <p:nvPr/>
+        </p:nvSpPr>
+        <p:spPr>
+          <a:xfrm flipH="1" flipV="1">
+            <a:off x="5580286" y="3443287"/>
+            <a:ext cx="1456954" cy="1297373"/>
+          </a:xfrm>
+          <a:prstGeom prst="leftUpArrow">
+            <a:avLst/>
+          </a:prstGeom>
+          <a:solidFill>
+            <a:schemeClr val="accent3"/>
+          </a:solidFill>
+        </p:spPr>
+        <p:style>
+          <a:lnRef idx="2">
+            <a:schemeClr val="accent1">
+              <a:shade val="50000"/>
+            </a:schemeClr>
+          </a:lnRef>
+          <a:fillRef idx="1">
+            <a:schemeClr val="accent1"/>
+          </a:fillRef>
+          <a:effectRef idx="0">
+            <a:schemeClr val="accent1"/>
+          </a:effectRef>
+          <a:fontRef idx="minor">
+            <a:schemeClr val="lt1"/>
+          </a:fontRef>
+        </p:style>
+        <p:txBody>
+          <a:bodyPr rtlCol="0" anchor="ctr"/>
+          <a:lstStyle/>
+          <a:p>
+            <a:pPr algn="ctr"/>
+            <a:endParaRPr lang="en-US"/>
+          </a:p>
+        </p:txBody>
+      </p:sp>
+      <p:sp>
+        <p:nvSpPr>
+          <p:cNvPr id="12" name="TextBox 11">
+            <a:extLst>
+              <a:ext uri="{FF2B5EF4-FFF2-40B4-BE49-F238E27FC236}">
+                <a16:creationId xmlns:a16="http://schemas.microsoft.com/office/drawing/2014/main" id="{9FE6EE04-75A6-E749-BFC5-16E44863D3F2}"/>
+              </a:ext>
+            </a:extLst>
+          </p:cNvPr>
+          <p:cNvSpPr txBox="1"/>
+          <p:nvPr/>
+        </p:nvSpPr>
+        <p:spPr>
+          <a:xfrm>
+            <a:off x="452996" y="1974654"/>
+            <a:ext cx="4629150" cy="2031325"/>
+          </a:xfrm>
+          <a:prstGeom prst="rect">
+            <a:avLst/>
+          </a:prstGeom>
+          <a:noFill/>
+        </p:spPr>
+        <p:txBody>
+          <a:bodyPr wrap="square" rtlCol="0">
+            <a:spAutoFit/>
+          </a:bodyPr>
+          <a:lstStyle/>
+          <a:p>
+            <a:r>
+              <a:rPr lang="en-US" dirty="0" err="1"/>
+              <a:t>Welche</a:t>
+            </a:r>
+            <a:r>
+              <a:rPr lang="en-US" dirty="0"/>
+              <a:t> </a:t>
+            </a:r>
+            <a:r>
+              <a:rPr lang="en-US" dirty="0" err="1"/>
+              <a:t>Analyse</a:t>
+            </a:r>
+            <a:r>
+              <a:rPr lang="en-US" dirty="0"/>
+              <a:t> will </a:t>
+            </a:r>
+            <a:r>
+              <a:rPr lang="en-US" dirty="0" err="1"/>
+              <a:t>ich</a:t>
+            </a:r>
+            <a:r>
+              <a:rPr lang="en-US" dirty="0"/>
+              <a:t> </a:t>
+            </a:r>
+            <a:r>
+              <a:rPr lang="en-US" dirty="0" err="1"/>
+              <a:t>grafisch</a:t>
+            </a:r>
+            <a:r>
+              <a:rPr lang="en-US" dirty="0"/>
+              <a:t> </a:t>
+            </a:r>
+            <a:r>
+              <a:rPr lang="en-US" dirty="0" err="1"/>
+              <a:t>darstellen</a:t>
+            </a:r>
+            <a:r>
+              <a:rPr lang="en-US" dirty="0"/>
+              <a:t>?</a:t>
+            </a:r>
+          </a:p>
+          <a:p>
+            <a:endParaRPr lang="en-US" dirty="0"/>
+          </a:p>
+          <a:p>
+            <a:r>
+              <a:rPr lang="en-US" dirty="0" err="1"/>
+              <a:t>Wie</a:t>
+            </a:r>
+            <a:r>
+              <a:rPr lang="en-US" dirty="0"/>
+              <a:t> stark </a:t>
+            </a:r>
+            <a:r>
+              <a:rPr lang="en-US" dirty="0" err="1"/>
+              <a:t>soll</a:t>
+            </a:r>
+            <a:r>
+              <a:rPr lang="en-US" dirty="0"/>
+              <a:t> </a:t>
+            </a:r>
+            <a:r>
+              <a:rPr lang="en-US" dirty="0" err="1"/>
+              <a:t>ich</a:t>
+            </a:r>
+            <a:r>
+              <a:rPr lang="en-US" dirty="0"/>
+              <a:t> die </a:t>
+            </a:r>
+            <a:r>
+              <a:rPr lang="en-US" dirty="0" err="1"/>
+              <a:t>Daten</a:t>
+            </a:r>
+            <a:r>
+              <a:rPr lang="en-US" dirty="0"/>
+              <a:t> </a:t>
+            </a:r>
+            <a:r>
+              <a:rPr lang="en-US" dirty="0" err="1"/>
+              <a:t>aggregieren</a:t>
+            </a:r>
+            <a:r>
+              <a:rPr lang="en-US" dirty="0"/>
+              <a:t>?</a:t>
+            </a:r>
+            <a:br>
+              <a:rPr lang="en-US" dirty="0"/>
+            </a:br>
+            <a:br>
+              <a:rPr lang="en-US" dirty="0"/>
+            </a:br>
+            <a:r>
+              <a:rPr lang="en-US" dirty="0" err="1"/>
+              <a:t>Welche</a:t>
+            </a:r>
+            <a:r>
+              <a:rPr lang="en-US" dirty="0"/>
+              <a:t> </a:t>
+            </a:r>
+            <a:r>
+              <a:rPr lang="en-US" dirty="0" err="1"/>
+              <a:t>Datenstruktur</a:t>
+            </a:r>
+            <a:r>
+              <a:rPr lang="en-US" dirty="0"/>
+              <a:t> </a:t>
+            </a:r>
+            <a:r>
+              <a:rPr lang="en-US" dirty="0" err="1"/>
+              <a:t>braucht</a:t>
+            </a:r>
+            <a:r>
+              <a:rPr lang="en-US" dirty="0"/>
+              <a:t> das </a:t>
+            </a:r>
+            <a:r>
+              <a:rPr lang="en-US" dirty="0" err="1"/>
+              <a:t>Charttool</a:t>
+            </a:r>
+            <a:r>
+              <a:rPr lang="en-US" dirty="0"/>
+              <a:t>?</a:t>
+            </a:r>
+          </a:p>
+          <a:p>
+            <a:endParaRPr lang="en-US" dirty="0"/>
+          </a:p>
+          <a:p>
+            <a:r>
+              <a:rPr lang="en-US" dirty="0" err="1"/>
+              <a:t>Wie</a:t>
+            </a:r>
+            <a:r>
+              <a:rPr lang="en-US" dirty="0"/>
+              <a:t> </a:t>
+            </a:r>
+            <a:r>
+              <a:rPr lang="en-US" dirty="0" err="1"/>
+              <a:t>müssen</a:t>
+            </a:r>
+            <a:r>
+              <a:rPr lang="en-US" dirty="0"/>
+              <a:t> die </a:t>
+            </a:r>
+            <a:r>
+              <a:rPr lang="en-US" dirty="0" err="1"/>
+              <a:t>Daten</a:t>
+            </a:r>
+            <a:r>
+              <a:rPr lang="en-US" dirty="0"/>
+              <a:t> </a:t>
+            </a:r>
+            <a:r>
+              <a:rPr lang="en-US" dirty="0" err="1"/>
+              <a:t>sortiert</a:t>
+            </a:r>
+            <a:r>
+              <a:rPr lang="en-US" dirty="0"/>
+              <a:t>, </a:t>
+            </a:r>
+            <a:r>
+              <a:rPr lang="en-US" dirty="0" err="1"/>
+              <a:t>formatiert</a:t>
+            </a:r>
+            <a:r>
+              <a:rPr lang="en-US" dirty="0"/>
+              <a:t> sein?</a:t>
+            </a:r>
+          </a:p>
+        </p:txBody>
+      </p:sp>
+      <p:sp>
+        <p:nvSpPr>
+          <p:cNvPr id="8" name="Rectangle 7">
+            <a:extLst>
+              <a:ext uri="{FF2B5EF4-FFF2-40B4-BE49-F238E27FC236}">
+                <a16:creationId xmlns:a16="http://schemas.microsoft.com/office/drawing/2014/main" id="{9ABF0FE8-F986-8540-954F-EAEF5D61D356}"/>
+              </a:ext>
+            </a:extLst>
+          </p:cNvPr>
+          <p:cNvSpPr/>
+          <p:nvPr/>
+        </p:nvSpPr>
+        <p:spPr>
+          <a:xfrm>
+            <a:off x="4429496" y="4982433"/>
+            <a:ext cx="2838202" cy="1781299"/>
+          </a:xfrm>
+          <a:prstGeom prst="rect">
+            <a:avLst/>
+          </a:prstGeom>
+          <a:solidFill>
+            <a:srgbClr val="C04030"/>
+          </a:solidFill>
+        </p:spPr>
+        <p:style>
+          <a:lnRef idx="2">
+            <a:schemeClr val="accent1">
+              <a:shade val="50000"/>
+            </a:schemeClr>
+          </a:lnRef>
+          <a:fillRef idx="1">
+            <a:schemeClr val="accent1"/>
+          </a:fillRef>
+          <a:effectRef idx="0">
+            <a:schemeClr val="accent1"/>
+          </a:effectRef>
+          <a:fontRef idx="minor">
+            <a:schemeClr val="lt1"/>
+          </a:fontRef>
+        </p:style>
+        <p:txBody>
+          <a:bodyPr rtlCol="0" anchor="t"/>
+          <a:lstStyle/>
+          <a:p>
+            <a:pPr algn="ctr"/>
+            <a:r>
+              <a:rPr lang="en-US" b="1" dirty="0" err="1"/>
+              <a:t>Datenvisualisierung</a:t>
+            </a:r>
+            <a:endParaRPr lang="en-US" b="1" dirty="0"/>
+          </a:p>
+          <a:p>
+            <a:pPr algn="ctr"/>
+            <a:endParaRPr lang="en-US" b="1" dirty="0"/>
+          </a:p>
+          <a:p>
+            <a:pPr algn="ctr"/>
+            <a:r>
+              <a:rPr lang="en-US" dirty="0" err="1"/>
+              <a:t>Chartformen</a:t>
+            </a:r>
+            <a:r>
+              <a:rPr lang="en-US" dirty="0"/>
+              <a:t>, </a:t>
+            </a:r>
+            <a:r>
+              <a:rPr lang="en-US" dirty="0" err="1"/>
+              <a:t>Farben</a:t>
+            </a:r>
+            <a:r>
+              <a:rPr lang="en-US" dirty="0"/>
+              <a:t>, </a:t>
+            </a:r>
+            <a:r>
+              <a:rPr lang="en-US" dirty="0" err="1"/>
+              <a:t>Hervorhebungen</a:t>
+            </a:r>
+            <a:r>
+              <a:rPr lang="en-US" dirty="0"/>
+              <a:t>, </a:t>
+            </a:r>
+            <a:r>
+              <a:rPr lang="en-US" dirty="0" err="1"/>
+              <a:t>Beschriftungen</a:t>
+            </a:r>
+            <a:endParaRPr lang="en-US" dirty="0"/>
+          </a:p>
+        </p:txBody>
+      </p:sp>
+    </p:spTree>
+    <p:extLst>
+      <p:ext uri="{BB962C8B-B14F-4D97-AF65-F5344CB8AC3E}">
+        <p14:creationId xmlns:p14="http://schemas.microsoft.com/office/powerpoint/2010/main" val="87747232"/>
+      </p:ext>
+    </p:extLst>
+  </p:cSld>
+  <p:clrMapOvr>
+    <a:masterClrMapping/>
+  </p:clrMapOvr>
+  <p:timing>
+    <p:tnLst>
+      <p:par>
+        <p:cTn id="1" dur="indefinite" restart="never" nodeType="tmRoot">
+          <p:childTnLst>
+            <p:seq concurrent="1" nextAc="seek">
+              <p:cTn id="2" dur="indefinite" nodeType="mainSeq">
+                <p:childTnLst>
+                  <p:par>
+                    <p:cTn id="3" fill="hold">
+                      <p:stCondLst>
+                        <p:cond delay="indefinite"/>
+                      </p:stCondLst>
+                      <p:childTnLst>
+                        <p:par>
+                          <p:cTn id="4" fill="hold">
+                            <p:stCondLst>
+                              <p:cond delay="0"/>
+                            </p:stCondLst>
+                            <p:childTnLst>
+                              <p:par>
+                                <p:cTn id="5" presetID="1" presetClass="entr" presetSubtype="0" fill="hold" grpId="0" nodeType="clickEffect">
+                                  <p:stCondLst>
+                                    <p:cond delay="0"/>
+                                  </p:stCondLst>
+                                  <p:childTnLst>
+                                    <p:set>
+                                      <p:cBhvr>
+                                        <p:cTn id="6" dur="1" fill="hold">
+                                          <p:stCondLst>
+                                            <p:cond delay="0"/>
+                                          </p:stCondLst>
+                                        </p:cTn>
+                                        <p:tgtEl>
+                                          <p:spTgt spid="4"/>
+                                        </p:tgtEl>
+                                        <p:attrNameLst>
+                                          <p:attrName>style.visibility</p:attrName>
+                                        </p:attrNameLst>
+                                      </p:cBhvr>
+                                      <p:to>
+                                        <p:strVal val="visible"/>
+                                      </p:to>
+                                    </p:set>
+                                  </p:childTnLst>
+                                </p:cTn>
+                              </p:par>
+                              <p:par>
+                                <p:cTn id="7" presetID="1" presetClass="entr" presetSubtype="0" fill="hold" grpId="0" nodeType="withEffect">
+                                  <p:stCondLst>
+                                    <p:cond delay="0"/>
+                                  </p:stCondLst>
+                                  <p:childTnLst>
+                                    <p:set>
+                                      <p:cBhvr>
+                                        <p:cTn id="8" dur="1" fill="hold">
+                                          <p:stCondLst>
+                                            <p:cond delay="0"/>
+                                          </p:stCondLst>
+                                        </p:cTn>
+                                        <p:tgtEl>
+                                          <p:spTgt spid="3"/>
+                                        </p:tgtEl>
+                                        <p:attrNameLst>
+                                          <p:attrName>style.visibility</p:attrName>
+                                        </p:attrNameLst>
+                                      </p:cBhvr>
+                                      <p:to>
+                                        <p:strVal val="visible"/>
+                                      </p:to>
+                                    </p:set>
+                                  </p:childTnLst>
+                                </p:cTn>
+                              </p:par>
+                              <p:par>
+                                <p:cTn id="9" presetID="1" presetClass="entr" presetSubtype="0" fill="hold" grpId="0" nodeType="withEffect">
+                                  <p:stCondLst>
+                                    <p:cond delay="0"/>
+                                  </p:stCondLst>
+                                  <p:childTnLst>
+                                    <p:set>
+                                      <p:cBhvr>
+                                        <p:cTn id="10" dur="1" fill="hold">
+                                          <p:stCondLst>
+                                            <p:cond delay="0"/>
+                                          </p:stCondLst>
+                                        </p:cTn>
+                                        <p:tgtEl>
+                                          <p:spTgt spid="8"/>
+                                        </p:tgtEl>
+                                        <p:attrNameLst>
+                                          <p:attrName>style.visibility</p:attrName>
+                                        </p:attrNameLst>
+                                      </p:cBhvr>
+                                      <p:to>
+                                        <p:strVal val="visible"/>
+                                      </p:to>
+                                    </p:set>
+                                  </p:childTnLst>
+                                </p:cTn>
+                              </p:par>
+                            </p:childTnLst>
+                          </p:cTn>
+                        </p:par>
+                      </p:childTnLst>
+                    </p:cTn>
+                  </p:par>
+                  <p:par>
+                    <p:cTn id="11" fill="hold">
+                      <p:stCondLst>
+                        <p:cond delay="indefinite"/>
+                      </p:stCondLst>
+                      <p:childTnLst>
+                        <p:par>
+                          <p:cTn id="12" fill="hold">
+                            <p:stCondLst>
+                              <p:cond delay="0"/>
+                            </p:stCondLst>
+                            <p:childTnLst>
+                              <p:par>
+                                <p:cTn id="13" presetID="1" presetClass="entr" presetSubtype="0" fill="hold" nodeType="clickEffect">
+                                  <p:stCondLst>
+                                    <p:cond delay="0"/>
+                                  </p:stCondLst>
+                                  <p:childTnLst>
+                                    <p:set>
+                                      <p:cBhvr>
+                                        <p:cTn id="14" dur="1" fill="hold">
+                                          <p:stCondLst>
+                                            <p:cond delay="0"/>
+                                          </p:stCondLst>
+                                        </p:cTn>
+                                        <p:tgtEl>
+                                          <p:spTgt spid="12">
+                                            <p:txEl>
+                                              <p:pRg st="0" end="0"/>
+                                            </p:txEl>
+                                          </p:spTgt>
+                                        </p:tgtEl>
+                                        <p:attrNameLst>
+                                          <p:attrName>style.visibility</p:attrName>
+                                        </p:attrNameLst>
+                                      </p:cBhvr>
+                                      <p:to>
+                                        <p:strVal val="visible"/>
+                                      </p:to>
+                                    </p:set>
+                                  </p:childTnLst>
+                                </p:cTn>
+                              </p:par>
+                            </p:childTnLst>
+                          </p:cTn>
+                        </p:par>
+                      </p:childTnLst>
+                    </p:cTn>
+                  </p:par>
+                  <p:par>
+                    <p:cTn id="15" fill="hold">
+                      <p:stCondLst>
+                        <p:cond delay="indefinite"/>
+                      </p:stCondLst>
+                      <p:childTnLst>
+                        <p:par>
+                          <p:cTn id="16" fill="hold">
+                            <p:stCondLst>
+                              <p:cond delay="0"/>
+                            </p:stCondLst>
+                            <p:childTnLst>
+                              <p:par>
+                                <p:cTn id="17" presetID="1" presetClass="entr" presetSubtype="0" fill="hold" nodeType="clickEffect">
+                                  <p:stCondLst>
+                                    <p:cond delay="0"/>
+                                  </p:stCondLst>
+                                  <p:childTnLst>
+                                    <p:set>
+                                      <p:cBhvr>
+                                        <p:cTn id="18" dur="1" fill="hold">
+                                          <p:stCondLst>
+                                            <p:cond delay="0"/>
+                                          </p:stCondLst>
+                                        </p:cTn>
+                                        <p:tgtEl>
+                                          <p:spTgt spid="12">
+                                            <p:txEl>
+                                              <p:pRg st="2" end="2"/>
+                                            </p:txEl>
+                                          </p:spTgt>
+                                        </p:tgtEl>
+                                        <p:attrNameLst>
+                                          <p:attrName>style.visibility</p:attrName>
+                                        </p:attrNameLst>
+                                      </p:cBhvr>
+                                      <p:to>
+                                        <p:strVal val="visible"/>
+                                      </p:to>
+                                    </p:set>
+                                  </p:childTnLst>
+                                </p:cTn>
+                              </p:par>
+                            </p:childTnLst>
+                          </p:cTn>
+                        </p:par>
+                      </p:childTnLst>
+                    </p:cTn>
+                  </p:par>
+                  <p:par>
+                    <p:cTn id="19" fill="hold">
+                      <p:stCondLst>
+                        <p:cond delay="indefinite"/>
+                      </p:stCondLst>
+                      <p:childTnLst>
+                        <p:par>
+                          <p:cTn id="20" fill="hold">
+                            <p:stCondLst>
+                              <p:cond delay="0"/>
+                            </p:stCondLst>
+                            <p:childTnLst>
+                              <p:par>
+                                <p:cTn id="21" presetID="1" presetClass="entr" presetSubtype="0" fill="hold" nodeType="clickEffect">
+                                  <p:stCondLst>
+                                    <p:cond delay="0"/>
+                                  </p:stCondLst>
+                                  <p:childTnLst>
+                                    <p:set>
+                                      <p:cBhvr>
+                                        <p:cTn id="22" dur="1" fill="hold">
+                                          <p:stCondLst>
+                                            <p:cond delay="0"/>
+                                          </p:stCondLst>
+                                        </p:cTn>
+                                        <p:tgtEl>
+                                          <p:spTgt spid="12">
+                                            <p:txEl>
+                                              <p:pRg st="2" end="2"/>
+                                            </p:txEl>
+                                          </p:spTgt>
+                                        </p:tgtEl>
+                                        <p:attrNameLst>
+                                          <p:attrName>style.visibility</p:attrName>
+                                        </p:attrNameLst>
+                                      </p:cBhvr>
+                                      <p:to>
+                                        <p:strVal val="visible"/>
+                                      </p:to>
+                                    </p:set>
+                                  </p:childTnLst>
+                                </p:cTn>
+                              </p:par>
+                            </p:childTnLst>
+                          </p:cTn>
+                        </p:par>
+                      </p:childTnLst>
+                    </p:cTn>
+                  </p:par>
+                  <p:par>
+                    <p:cTn id="23" fill="hold">
+                      <p:stCondLst>
+                        <p:cond delay="indefinite"/>
+                      </p:stCondLst>
+                      <p:childTnLst>
+                        <p:par>
+                          <p:cTn id="24" fill="hold">
+                            <p:stCondLst>
+                              <p:cond delay="0"/>
+                            </p:stCondLst>
+                            <p:childTnLst>
+                              <p:par>
+                                <p:cTn id="25" presetID="1" presetClass="entr" presetSubtype="0" fill="hold" nodeType="clickEffect">
+                                  <p:stCondLst>
+                                    <p:cond delay="0"/>
+                                  </p:stCondLst>
+                                  <p:childTnLst>
+                                    <p:set>
+                                      <p:cBhvr>
+                                        <p:cTn id="26" dur="1" fill="hold">
+                                          <p:stCondLst>
+                                            <p:cond delay="0"/>
+                                          </p:stCondLst>
+                                        </p:cTn>
+                                        <p:tgtEl>
+                                          <p:spTgt spid="12">
+                                            <p:txEl>
+                                              <p:pRg st="4" end="4"/>
+                                            </p:txEl>
+                                          </p:spTgt>
+                                        </p:tgtEl>
+                                        <p:attrNameLst>
+                                          <p:attrName>style.visibility</p:attrName>
+                                        </p:attrNameLst>
+                                      </p:cBhvr>
+                                      <p:to>
+                                        <p:strVal val="visible"/>
+                                      </p:to>
+                                    </p:set>
+                                  </p:childTnLst>
+                                </p:cTn>
+                              </p:par>
+                            </p:childTnLst>
+                          </p:cTn>
+                        </p:par>
+                      </p:childTnLst>
+                    </p:cTn>
+                  </p:par>
+                </p:childTnLst>
+              </p:cTn>
+              <p:prevCondLst>
+                <p:cond evt="onPrev" delay="0">
+                  <p:tgtEl>
+                    <p:sldTgt/>
+                  </p:tgtEl>
+                </p:cond>
+              </p:prevCondLst>
+              <p:nextCondLst>
+                <p:cond evt="onNext" delay="0">
+                  <p:tgtEl>
+                    <p:sldTgt/>
+                  </p:tgtEl>
+                </p:cond>
+              </p:nextCondLst>
+            </p:seq>
+          </p:childTnLst>
+        </p:cTn>
+      </p:par>
+    </p:tnLst>
+    <p:bldLst>
+      <p:bldP spid="4" grpId="0" animBg="1"/>
+      <p:bldP spid="3" grpId="0" animBg="1"/>
+      <p:bldP spid="8" grpId="0" animBg="1"/>
+    </p:bldLst>
+  </p:timing>
+</p:sld>
+</file>
+
+<file path=ppt/slides/slide11.xml><?xml version="1.0" encoding="utf-8"?>
 <p:sld xmlns:a="http://schemas.openxmlformats.org/drawingml/2006/main" xmlns:r="http://schemas.openxmlformats.org/officeDocument/2006/relationships" xmlns:p="http://schemas.openxmlformats.org/presentationml/2006/main">
   <p:cSld>
     <p:spTree>
@@ -4207,7 +4988,7 @@
 </p:sld>
 </file>
 
-<file path=ppt/slides/slide11.xml><?xml version="1.0" encoding="utf-8"?>
+<file path=ppt/slides/slide12.xml><?xml version="1.0" encoding="utf-8"?>
 <p:sld xmlns:a="http://schemas.openxmlformats.org/drawingml/2006/main" xmlns:r="http://schemas.openxmlformats.org/officeDocument/2006/relationships" xmlns:p="http://schemas.openxmlformats.org/presentationml/2006/main">
   <p:cSld>
     <p:spTree>
@@ -4704,6 +5485,137 @@
           </a:p>
         </p:txBody>
       </p:sp>
+      <p:pic>
+        <p:nvPicPr>
+          <p:cNvPr id="5" name="Picture 4">
+            <a:extLst>
+              <a:ext uri="{FF2B5EF4-FFF2-40B4-BE49-F238E27FC236}">
+                <a16:creationId xmlns:a16="http://schemas.microsoft.com/office/drawing/2014/main" id="{8A431A65-EC59-724D-8F28-A8FFF26DB8C7}"/>
+              </a:ext>
+            </a:extLst>
+          </p:cNvPr>
+          <p:cNvPicPr>
+            <a:picLocks noChangeAspect="1"/>
+          </p:cNvPicPr>
+          <p:nvPr/>
+        </p:nvPicPr>
+        <p:blipFill>
+          <a:blip r:embed="rId2"/>
+          <a:stretch>
+            <a:fillRect/>
+          </a:stretch>
+        </p:blipFill>
+        <p:spPr>
+          <a:xfrm>
+            <a:off x="2708910" y="1583518"/>
+            <a:ext cx="6140450" cy="3431711"/>
+          </a:xfrm>
+          <a:prstGeom prst="rect">
+            <a:avLst/>
+          </a:prstGeom>
+        </p:spPr>
+      </p:pic>
+      <p:sp>
+        <p:nvSpPr>
+          <p:cNvPr id="6" name="TextBox 5">
+            <a:extLst>
+              <a:ext uri="{FF2B5EF4-FFF2-40B4-BE49-F238E27FC236}">
+                <a16:creationId xmlns:a16="http://schemas.microsoft.com/office/drawing/2014/main" id="{3DAE47BF-05A3-7D44-82D5-4DDBD8B7A7B5}"/>
+              </a:ext>
+            </a:extLst>
+          </p:cNvPr>
+          <p:cNvSpPr txBox="1"/>
+          <p:nvPr/>
+        </p:nvSpPr>
+        <p:spPr>
+          <a:xfrm>
+            <a:off x="1005840" y="5566410"/>
+            <a:ext cx="10469880" cy="646331"/>
+          </a:xfrm>
+          <a:prstGeom prst="rect">
+            <a:avLst/>
+          </a:prstGeom>
+          <a:noFill/>
+        </p:spPr>
+        <p:txBody>
+          <a:bodyPr wrap="square" rtlCol="0">
+            <a:spAutoFit/>
+          </a:bodyPr>
+          <a:lstStyle/>
+          <a:p>
+            <a:r>
+              <a:rPr lang="en-US" dirty="0"/>
+              <a:t>«In North America, a wrangler is someone employed to handle animals professionally, especially horses, but sometimes other types of animals as well.» - Wikipedia</a:t>
+            </a:r>
+          </a:p>
+        </p:txBody>
+      </p:sp>
+    </p:spTree>
+    <p:extLst>
+      <p:ext uri="{BB962C8B-B14F-4D97-AF65-F5344CB8AC3E}">
+        <p14:creationId xmlns:p14="http://schemas.microsoft.com/office/powerpoint/2010/main" val="4133080268"/>
+      </p:ext>
+    </p:extLst>
+  </p:cSld>
+  <p:clrMapOvr>
+    <a:masterClrMapping/>
+  </p:clrMapOvr>
+</p:sld>
+</file>
+
+<file path=ppt/slides/slide3.xml><?xml version="1.0" encoding="utf-8"?>
+<p:sld xmlns:a="http://schemas.openxmlformats.org/drawingml/2006/main" xmlns:r="http://schemas.openxmlformats.org/officeDocument/2006/relationships" xmlns:p="http://schemas.openxmlformats.org/presentationml/2006/main">
+  <p:cSld>
+    <p:spTree>
+      <p:nvGrpSpPr>
+        <p:cNvPr id="1" name=""/>
+        <p:cNvGrpSpPr/>
+        <p:nvPr/>
+      </p:nvGrpSpPr>
+      <p:grpSpPr>
+        <a:xfrm>
+          <a:off x="0" y="0"/>
+          <a:ext cx="0" cy="0"/>
+          <a:chOff x="0" y="0"/>
+          <a:chExt cx="0" cy="0"/>
+        </a:xfrm>
+      </p:grpSpPr>
+      <p:sp>
+        <p:nvSpPr>
+          <p:cNvPr id="2" name="Title 1">
+            <a:extLst>
+              <a:ext uri="{FF2B5EF4-FFF2-40B4-BE49-F238E27FC236}">
+                <a16:creationId xmlns:a16="http://schemas.microsoft.com/office/drawing/2014/main" id="{28217E12-7523-B842-AC11-889429C5EB8B}"/>
+              </a:ext>
+            </a:extLst>
+          </p:cNvPr>
+          <p:cNvSpPr>
+            <a:spLocks noGrp="1"/>
+          </p:cNvSpPr>
+          <p:nvPr>
+            <p:ph type="title"/>
+          </p:nvPr>
+        </p:nvSpPr>
+        <p:spPr/>
+        <p:txBody>
+          <a:bodyPr/>
+          <a:lstStyle/>
+          <a:p>
+            <a:r>
+              <a:rPr lang="en-US" dirty="0"/>
+              <a:t>Was </a:t>
+            </a:r>
+            <a:r>
+              <a:rPr lang="en-US" dirty="0" err="1"/>
+              <a:t>ist</a:t>
+            </a:r>
+            <a:r>
+              <a:rPr lang="en-US" dirty="0"/>
+              <a:t> Data Wrangling?</a:t>
+            </a:r>
+          </a:p>
+        </p:txBody>
+      </p:sp>
       <p:sp>
         <p:nvSpPr>
           <p:cNvPr id="4" name="Rectangle 3">
@@ -4816,7 +5728,7 @@
     </p:spTree>
     <p:extLst>
       <p:ext uri="{BB962C8B-B14F-4D97-AF65-F5344CB8AC3E}">
-        <p14:creationId xmlns:p14="http://schemas.microsoft.com/office/powerpoint/2010/main" val="4133080268"/>
+        <p14:creationId xmlns:p14="http://schemas.microsoft.com/office/powerpoint/2010/main" val="3197714411"/>
       </p:ext>
     </p:extLst>
   </p:cSld>
@@ -4905,7 +5817,7 @@
 </p:sld>
 </file>
 
-<file path=ppt/slides/slide3.xml><?xml version="1.0" encoding="utf-8"?>
+<file path=ppt/slides/slide4.xml><?xml version="1.0" encoding="utf-8"?>
 <p:sld xmlns:a="http://schemas.openxmlformats.org/drawingml/2006/main" xmlns:r="http://schemas.openxmlformats.org/officeDocument/2006/relationships" xmlns:p="http://schemas.openxmlformats.org/presentationml/2006/main">
   <p:cSld>
     <p:spTree>
@@ -5178,7 +6090,7 @@
 </p:sld>
 </file>
 
-<file path=ppt/slides/slide4.xml><?xml version="1.0" encoding="utf-8"?>
+<file path=ppt/slides/slide5.xml><?xml version="1.0" encoding="utf-8"?>
 <p:sld xmlns:a="http://schemas.openxmlformats.org/drawingml/2006/main" xmlns:r="http://schemas.openxmlformats.org/officeDocument/2006/relationships" xmlns:p="http://schemas.openxmlformats.org/presentationml/2006/main">
   <p:cSld>
     <p:spTree>
@@ -5469,7 +6381,7 @@
 </p:sld>
 </file>
 
-<file path=ppt/slides/slide5.xml><?xml version="1.0" encoding="utf-8"?>
+<file path=ppt/slides/slide6.xml><?xml version="1.0" encoding="utf-8"?>
 <p:sld xmlns:a="http://schemas.openxmlformats.org/drawingml/2006/main" xmlns:r="http://schemas.openxmlformats.org/officeDocument/2006/relationships" xmlns:p="http://schemas.openxmlformats.org/presentationml/2006/main">
   <p:cSld>
     <p:spTree>
@@ -5627,7 +6539,7 @@
 </p:sld>
 </file>
 
-<file path=ppt/slides/slide6.xml><?xml version="1.0" encoding="utf-8"?>
+<file path=ppt/slides/slide7.xml><?xml version="1.0" encoding="utf-8"?>
 <p:sld xmlns:a="http://schemas.openxmlformats.org/drawingml/2006/main" xmlns:r="http://schemas.openxmlformats.org/officeDocument/2006/relationships" xmlns:p="http://schemas.openxmlformats.org/presentationml/2006/main">
   <p:cSld>
     <p:spTree>
@@ -6290,7 +7202,7 @@
 </p:sld>
 </file>
 
-<file path=ppt/slides/slide7.xml><?xml version="1.0" encoding="utf-8"?>
+<file path=ppt/slides/slide8.xml><?xml version="1.0" encoding="utf-8"?>
 <p:sld xmlns:a="http://schemas.openxmlformats.org/drawingml/2006/main" xmlns:r="http://schemas.openxmlformats.org/officeDocument/2006/relationships" xmlns:p="http://schemas.openxmlformats.org/presentationml/2006/main">
   <p:cSld>
     <p:spTree>
@@ -7356,7 +8268,7 @@
 </p:sld>
 </file>
 
-<file path=ppt/slides/slide8.xml><?xml version="1.0" encoding="utf-8"?>
+<file path=ppt/slides/slide9.xml><?xml version="1.0" encoding="utf-8"?>
 <p:sld xmlns:a="http://schemas.openxmlformats.org/drawingml/2006/main" xmlns:r="http://schemas.openxmlformats.org/officeDocument/2006/relationships" xmlns:p="http://schemas.openxmlformats.org/presentationml/2006/main">
   <p:cSld>
     <p:spTree>
@@ -8102,781 +9014,6 @@
 </p:sld>
 </file>
 
-<file path=ppt/slides/slide9.xml><?xml version="1.0" encoding="utf-8"?>
-<p:sld xmlns:a="http://schemas.openxmlformats.org/drawingml/2006/main" xmlns:r="http://schemas.openxmlformats.org/officeDocument/2006/relationships" xmlns:p="http://schemas.openxmlformats.org/presentationml/2006/main">
-  <p:cSld>
-    <p:spTree>
-      <p:nvGrpSpPr>
-        <p:cNvPr id="1" name=""/>
-        <p:cNvGrpSpPr/>
-        <p:nvPr/>
-      </p:nvGrpSpPr>
-      <p:grpSpPr>
-        <a:xfrm>
-          <a:off x="0" y="0"/>
-          <a:ext cx="0" cy="0"/>
-          <a:chOff x="0" y="0"/>
-          <a:chExt cx="0" cy="0"/>
-        </a:xfrm>
-      </p:grpSpPr>
-      <p:sp>
-        <p:nvSpPr>
-          <p:cNvPr id="2" name="Title 1">
-            <a:extLst>
-              <a:ext uri="{FF2B5EF4-FFF2-40B4-BE49-F238E27FC236}">
-                <a16:creationId xmlns:a16="http://schemas.microsoft.com/office/drawing/2014/main" id="{4CBF7F39-C3B5-524F-84FD-4C741E5C46FD}"/>
-              </a:ext>
-            </a:extLst>
-          </p:cNvPr>
-          <p:cNvSpPr>
-            <a:spLocks noGrp="1"/>
-          </p:cNvSpPr>
-          <p:nvPr>
-            <p:ph type="title"/>
-          </p:nvPr>
-        </p:nvSpPr>
-        <p:spPr/>
-        <p:txBody>
-          <a:bodyPr/>
-          <a:lstStyle/>
-          <a:p>
-            <a:r>
-              <a:rPr lang="en-US" dirty="0" err="1"/>
-              <a:t>Berührungspunkte</a:t>
-            </a:r>
-            <a:endParaRPr lang="en-US" dirty="0"/>
-          </a:p>
-        </p:txBody>
-      </p:sp>
-      <p:sp>
-        <p:nvSpPr>
-          <p:cNvPr id="4" name="Rectangle 3">
-            <a:extLst>
-              <a:ext uri="{FF2B5EF4-FFF2-40B4-BE49-F238E27FC236}">
-                <a16:creationId xmlns:a16="http://schemas.microsoft.com/office/drawing/2014/main" id="{1F18825A-11F2-4C44-B616-2CA784903BC7}"/>
-              </a:ext>
-            </a:extLst>
-          </p:cNvPr>
-          <p:cNvSpPr/>
-          <p:nvPr/>
-        </p:nvSpPr>
-        <p:spPr>
-          <a:xfrm>
-            <a:off x="7878291" y="3289462"/>
-            <a:ext cx="2838202" cy="1781299"/>
-          </a:xfrm>
-          <a:prstGeom prst="rect">
-            <a:avLst/>
-          </a:prstGeom>
-        </p:spPr>
-        <p:style>
-          <a:lnRef idx="2">
-            <a:schemeClr val="accent1">
-              <a:shade val="50000"/>
-            </a:schemeClr>
-          </a:lnRef>
-          <a:fillRef idx="1">
-            <a:schemeClr val="accent1"/>
-          </a:fillRef>
-          <a:effectRef idx="0">
-            <a:schemeClr val="accent1"/>
-          </a:effectRef>
-          <a:fontRef idx="minor">
-            <a:schemeClr val="lt1"/>
-          </a:fontRef>
-        </p:style>
-        <p:txBody>
-          <a:bodyPr rtlCol="0" anchor="ctr"/>
-          <a:lstStyle/>
-          <a:p>
-            <a:pPr algn="ctr"/>
-            <a:r>
-              <a:rPr lang="en-US" sz="2400" dirty="0"/>
-              <a:t>Data Wrangling</a:t>
-            </a:r>
-          </a:p>
-        </p:txBody>
-      </p:sp>
-      <p:sp>
-        <p:nvSpPr>
-          <p:cNvPr id="3" name="Left-Up Arrow 2">
-            <a:extLst>
-              <a:ext uri="{FF2B5EF4-FFF2-40B4-BE49-F238E27FC236}">
-                <a16:creationId xmlns:a16="http://schemas.microsoft.com/office/drawing/2014/main" id="{E89C9BE7-D989-6747-BB2A-FC41D20C6D6C}"/>
-              </a:ext>
-            </a:extLst>
-          </p:cNvPr>
-          <p:cNvSpPr/>
-          <p:nvPr/>
-        </p:nvSpPr>
-        <p:spPr>
-          <a:xfrm flipH="1" flipV="1">
-            <a:off x="5580286" y="3443287"/>
-            <a:ext cx="1456954" cy="1297373"/>
-          </a:xfrm>
-          <a:prstGeom prst="leftUpArrow">
-            <a:avLst/>
-          </a:prstGeom>
-          <a:solidFill>
-            <a:schemeClr val="accent3"/>
-          </a:solidFill>
-        </p:spPr>
-        <p:style>
-          <a:lnRef idx="2">
-            <a:schemeClr val="accent1">
-              <a:shade val="50000"/>
-            </a:schemeClr>
-          </a:lnRef>
-          <a:fillRef idx="1">
-            <a:schemeClr val="accent1"/>
-          </a:fillRef>
-          <a:effectRef idx="0">
-            <a:schemeClr val="accent1"/>
-          </a:effectRef>
-          <a:fontRef idx="minor">
-            <a:schemeClr val="lt1"/>
-          </a:fontRef>
-        </p:style>
-        <p:txBody>
-          <a:bodyPr rtlCol="0" anchor="ctr"/>
-          <a:lstStyle/>
-          <a:p>
-            <a:pPr algn="ctr"/>
-            <a:endParaRPr lang="en-US"/>
-          </a:p>
-        </p:txBody>
-      </p:sp>
-      <p:sp>
-        <p:nvSpPr>
-          <p:cNvPr id="12" name="TextBox 11">
-            <a:extLst>
-              <a:ext uri="{FF2B5EF4-FFF2-40B4-BE49-F238E27FC236}">
-                <a16:creationId xmlns:a16="http://schemas.microsoft.com/office/drawing/2014/main" id="{9FE6EE04-75A6-E749-BFC5-16E44863D3F2}"/>
-              </a:ext>
-            </a:extLst>
-          </p:cNvPr>
-          <p:cNvSpPr txBox="1"/>
-          <p:nvPr/>
-        </p:nvSpPr>
-        <p:spPr>
-          <a:xfrm>
-            <a:off x="452996" y="1974654"/>
-            <a:ext cx="4629150" cy="2031325"/>
-          </a:xfrm>
-          <a:prstGeom prst="rect">
-            <a:avLst/>
-          </a:prstGeom>
-          <a:noFill/>
-        </p:spPr>
-        <p:txBody>
-          <a:bodyPr wrap="square" rtlCol="0">
-            <a:spAutoFit/>
-          </a:bodyPr>
-          <a:lstStyle/>
-          <a:p>
-            <a:r>
-              <a:rPr lang="en-US" dirty="0" err="1"/>
-              <a:t>Welche</a:t>
-            </a:r>
-            <a:r>
-              <a:rPr lang="en-US" dirty="0"/>
-              <a:t> </a:t>
-            </a:r>
-            <a:r>
-              <a:rPr lang="en-US" dirty="0" err="1"/>
-              <a:t>Analyse</a:t>
-            </a:r>
-            <a:r>
-              <a:rPr lang="en-US" dirty="0"/>
-              <a:t> will </a:t>
-            </a:r>
-            <a:r>
-              <a:rPr lang="en-US" dirty="0" err="1"/>
-              <a:t>ich</a:t>
-            </a:r>
-            <a:r>
-              <a:rPr lang="en-US" dirty="0"/>
-              <a:t> </a:t>
-            </a:r>
-            <a:r>
-              <a:rPr lang="en-US" dirty="0" err="1"/>
-              <a:t>grafisch</a:t>
-            </a:r>
-            <a:r>
-              <a:rPr lang="en-US" dirty="0"/>
-              <a:t> </a:t>
-            </a:r>
-            <a:r>
-              <a:rPr lang="en-US" dirty="0" err="1"/>
-              <a:t>darstellen</a:t>
-            </a:r>
-            <a:r>
-              <a:rPr lang="en-US" dirty="0"/>
-              <a:t>?</a:t>
-            </a:r>
-          </a:p>
-          <a:p>
-            <a:endParaRPr lang="en-US" dirty="0"/>
-          </a:p>
-          <a:p>
-            <a:r>
-              <a:rPr lang="en-US" dirty="0" err="1"/>
-              <a:t>Wie</a:t>
-            </a:r>
-            <a:r>
-              <a:rPr lang="en-US" dirty="0"/>
-              <a:t> stark </a:t>
-            </a:r>
-            <a:r>
-              <a:rPr lang="en-US" dirty="0" err="1"/>
-              <a:t>soll</a:t>
-            </a:r>
-            <a:r>
-              <a:rPr lang="en-US" dirty="0"/>
-              <a:t> </a:t>
-            </a:r>
-            <a:r>
-              <a:rPr lang="en-US" dirty="0" err="1"/>
-              <a:t>ich</a:t>
-            </a:r>
-            <a:r>
-              <a:rPr lang="en-US" dirty="0"/>
-              <a:t> die </a:t>
-            </a:r>
-            <a:r>
-              <a:rPr lang="en-US" dirty="0" err="1"/>
-              <a:t>Daten</a:t>
-            </a:r>
-            <a:r>
-              <a:rPr lang="en-US" dirty="0"/>
-              <a:t> </a:t>
-            </a:r>
-            <a:r>
-              <a:rPr lang="en-US" dirty="0" err="1"/>
-              <a:t>aggregieren</a:t>
-            </a:r>
-            <a:r>
-              <a:rPr lang="en-US" dirty="0"/>
-              <a:t>?</a:t>
-            </a:r>
-            <a:br>
-              <a:rPr lang="en-US" dirty="0"/>
-            </a:br>
-            <a:br>
-              <a:rPr lang="en-US" dirty="0"/>
-            </a:br>
-            <a:r>
-              <a:rPr lang="en-US" dirty="0" err="1"/>
-              <a:t>Welche</a:t>
-            </a:r>
-            <a:r>
-              <a:rPr lang="en-US" dirty="0"/>
-              <a:t> </a:t>
-            </a:r>
-            <a:r>
-              <a:rPr lang="en-US" dirty="0" err="1"/>
-              <a:t>Datenstruktur</a:t>
-            </a:r>
-            <a:r>
-              <a:rPr lang="en-US" dirty="0"/>
-              <a:t> </a:t>
-            </a:r>
-            <a:r>
-              <a:rPr lang="en-US" dirty="0" err="1"/>
-              <a:t>braucht</a:t>
-            </a:r>
-            <a:r>
-              <a:rPr lang="en-US" dirty="0"/>
-              <a:t> das </a:t>
-            </a:r>
-            <a:r>
-              <a:rPr lang="en-US" dirty="0" err="1"/>
-              <a:t>Charttool</a:t>
-            </a:r>
-            <a:r>
-              <a:rPr lang="en-US" dirty="0"/>
-              <a:t>?</a:t>
-            </a:r>
-          </a:p>
-          <a:p>
-            <a:endParaRPr lang="en-US" dirty="0"/>
-          </a:p>
-          <a:p>
-            <a:r>
-              <a:rPr lang="en-US" dirty="0" err="1"/>
-              <a:t>Wie</a:t>
-            </a:r>
-            <a:r>
-              <a:rPr lang="en-US" dirty="0"/>
-              <a:t> </a:t>
-            </a:r>
-            <a:r>
-              <a:rPr lang="en-US" dirty="0" err="1"/>
-              <a:t>müssen</a:t>
-            </a:r>
-            <a:r>
-              <a:rPr lang="en-US" dirty="0"/>
-              <a:t> die </a:t>
-            </a:r>
-            <a:r>
-              <a:rPr lang="en-US" dirty="0" err="1"/>
-              <a:t>Daten</a:t>
-            </a:r>
-            <a:r>
-              <a:rPr lang="en-US" dirty="0"/>
-              <a:t> </a:t>
-            </a:r>
-            <a:r>
-              <a:rPr lang="en-US" dirty="0" err="1"/>
-              <a:t>sortiert</a:t>
-            </a:r>
-            <a:r>
-              <a:rPr lang="en-US" dirty="0"/>
-              <a:t>, </a:t>
-            </a:r>
-            <a:r>
-              <a:rPr lang="en-US" dirty="0" err="1"/>
-              <a:t>formatiert</a:t>
-            </a:r>
-            <a:r>
-              <a:rPr lang="en-US" dirty="0"/>
-              <a:t> sein?</a:t>
-            </a:r>
-          </a:p>
-        </p:txBody>
-      </p:sp>
-      <p:sp>
-        <p:nvSpPr>
-          <p:cNvPr id="8" name="Rectangle 7">
-            <a:extLst>
-              <a:ext uri="{FF2B5EF4-FFF2-40B4-BE49-F238E27FC236}">
-                <a16:creationId xmlns:a16="http://schemas.microsoft.com/office/drawing/2014/main" id="{9ABF0FE8-F986-8540-954F-EAEF5D61D356}"/>
-              </a:ext>
-            </a:extLst>
-          </p:cNvPr>
-          <p:cNvSpPr/>
-          <p:nvPr/>
-        </p:nvSpPr>
-        <p:spPr>
-          <a:xfrm>
-            <a:off x="4429496" y="4982433"/>
-            <a:ext cx="2838202" cy="1781299"/>
-          </a:xfrm>
-          <a:prstGeom prst="rect">
-            <a:avLst/>
-          </a:prstGeom>
-          <a:solidFill>
-            <a:srgbClr val="C04030"/>
-          </a:solidFill>
-        </p:spPr>
-        <p:style>
-          <a:lnRef idx="2">
-            <a:schemeClr val="accent1">
-              <a:shade val="50000"/>
-            </a:schemeClr>
-          </a:lnRef>
-          <a:fillRef idx="1">
-            <a:schemeClr val="accent1"/>
-          </a:fillRef>
-          <a:effectRef idx="0">
-            <a:schemeClr val="accent1"/>
-          </a:effectRef>
-          <a:fontRef idx="minor">
-            <a:schemeClr val="lt1"/>
-          </a:fontRef>
-        </p:style>
-        <p:txBody>
-          <a:bodyPr rtlCol="0" anchor="t"/>
-          <a:lstStyle/>
-          <a:p>
-            <a:pPr algn="ctr"/>
-            <a:r>
-              <a:rPr lang="en-US" b="1" dirty="0" err="1"/>
-              <a:t>Datenvisualisierung</a:t>
-            </a:r>
-            <a:endParaRPr lang="en-US" b="1" dirty="0"/>
-          </a:p>
-          <a:p>
-            <a:pPr algn="ctr"/>
-            <a:endParaRPr lang="en-US" b="1" dirty="0"/>
-          </a:p>
-          <a:p>
-            <a:pPr algn="ctr"/>
-            <a:r>
-              <a:rPr lang="en-US" dirty="0" err="1"/>
-              <a:t>Chartformen</a:t>
-            </a:r>
-            <a:r>
-              <a:rPr lang="en-US" dirty="0"/>
-              <a:t>, </a:t>
-            </a:r>
-            <a:r>
-              <a:rPr lang="en-US" dirty="0" err="1"/>
-              <a:t>Farben</a:t>
-            </a:r>
-            <a:r>
-              <a:rPr lang="en-US" dirty="0"/>
-              <a:t>, </a:t>
-            </a:r>
-            <a:r>
-              <a:rPr lang="en-US" dirty="0" err="1"/>
-              <a:t>Hervorhebungen</a:t>
-            </a:r>
-            <a:r>
-              <a:rPr lang="en-US" dirty="0"/>
-              <a:t>, </a:t>
-            </a:r>
-            <a:r>
-              <a:rPr lang="en-US" dirty="0" err="1"/>
-              <a:t>Beschriftungen</a:t>
-            </a:r>
-            <a:endParaRPr lang="en-US" dirty="0"/>
-          </a:p>
-        </p:txBody>
-      </p:sp>
-    </p:spTree>
-    <p:extLst>
-      <p:ext uri="{BB962C8B-B14F-4D97-AF65-F5344CB8AC3E}">
-        <p14:creationId xmlns:p14="http://schemas.microsoft.com/office/powerpoint/2010/main" val="87747232"/>
-      </p:ext>
-    </p:extLst>
-  </p:cSld>
-  <p:clrMapOvr>
-    <a:masterClrMapping/>
-  </p:clrMapOvr>
-  <p:timing>
-    <p:tnLst>
-      <p:par>
-        <p:cTn id="1" dur="indefinite" restart="never" nodeType="tmRoot">
-          <p:childTnLst>
-            <p:seq concurrent="1" nextAc="seek">
-              <p:cTn id="2" dur="indefinite" nodeType="mainSeq">
-                <p:childTnLst>
-                  <p:par>
-                    <p:cTn id="3" fill="hold">
-                      <p:stCondLst>
-                        <p:cond delay="indefinite"/>
-                      </p:stCondLst>
-                      <p:childTnLst>
-                        <p:par>
-                          <p:cTn id="4" fill="hold">
-                            <p:stCondLst>
-                              <p:cond delay="0"/>
-                            </p:stCondLst>
-                            <p:childTnLst>
-                              <p:par>
-                                <p:cTn id="5" presetID="1" presetClass="entr" presetSubtype="0" fill="hold" grpId="0" nodeType="clickEffect">
-                                  <p:stCondLst>
-                                    <p:cond delay="0"/>
-                                  </p:stCondLst>
-                                  <p:childTnLst>
-                                    <p:set>
-                                      <p:cBhvr>
-                                        <p:cTn id="6" dur="1" fill="hold">
-                                          <p:stCondLst>
-                                            <p:cond delay="0"/>
-                                          </p:stCondLst>
-                                        </p:cTn>
-                                        <p:tgtEl>
-                                          <p:spTgt spid="4"/>
-                                        </p:tgtEl>
-                                        <p:attrNameLst>
-                                          <p:attrName>style.visibility</p:attrName>
-                                        </p:attrNameLst>
-                                      </p:cBhvr>
-                                      <p:to>
-                                        <p:strVal val="visible"/>
-                                      </p:to>
-                                    </p:set>
-                                  </p:childTnLst>
-                                </p:cTn>
-                              </p:par>
-                              <p:par>
-                                <p:cTn id="7" presetID="1" presetClass="entr" presetSubtype="0" fill="hold" grpId="0" nodeType="withEffect">
-                                  <p:stCondLst>
-                                    <p:cond delay="0"/>
-                                  </p:stCondLst>
-                                  <p:childTnLst>
-                                    <p:set>
-                                      <p:cBhvr>
-                                        <p:cTn id="8" dur="1" fill="hold">
-                                          <p:stCondLst>
-                                            <p:cond delay="0"/>
-                                          </p:stCondLst>
-                                        </p:cTn>
-                                        <p:tgtEl>
-                                          <p:spTgt spid="3"/>
-                                        </p:tgtEl>
-                                        <p:attrNameLst>
-                                          <p:attrName>style.visibility</p:attrName>
-                                        </p:attrNameLst>
-                                      </p:cBhvr>
-                                      <p:to>
-                                        <p:strVal val="visible"/>
-                                      </p:to>
-                                    </p:set>
-                                  </p:childTnLst>
-                                </p:cTn>
-                              </p:par>
-                              <p:par>
-                                <p:cTn id="9" presetID="1" presetClass="entr" presetSubtype="0" fill="hold" grpId="0" nodeType="withEffect">
-                                  <p:stCondLst>
-                                    <p:cond delay="0"/>
-                                  </p:stCondLst>
-                                  <p:childTnLst>
-                                    <p:set>
-                                      <p:cBhvr>
-                                        <p:cTn id="10" dur="1" fill="hold">
-                                          <p:stCondLst>
-                                            <p:cond delay="0"/>
-                                          </p:stCondLst>
-                                        </p:cTn>
-                                        <p:tgtEl>
-                                          <p:spTgt spid="8"/>
-                                        </p:tgtEl>
-                                        <p:attrNameLst>
-                                          <p:attrName>style.visibility</p:attrName>
-                                        </p:attrNameLst>
-                                      </p:cBhvr>
-                                      <p:to>
-                                        <p:strVal val="visible"/>
-                                      </p:to>
-                                    </p:set>
-                                  </p:childTnLst>
-                                </p:cTn>
-                              </p:par>
-                            </p:childTnLst>
-                          </p:cTn>
-                        </p:par>
-                      </p:childTnLst>
-                    </p:cTn>
-                  </p:par>
-                  <p:par>
-                    <p:cTn id="11" fill="hold">
-                      <p:stCondLst>
-                        <p:cond delay="indefinite"/>
-                      </p:stCondLst>
-                      <p:childTnLst>
-                        <p:par>
-                          <p:cTn id="12" fill="hold">
-                            <p:stCondLst>
-                              <p:cond delay="0"/>
-                            </p:stCondLst>
-                            <p:childTnLst>
-                              <p:par>
-                                <p:cTn id="13" presetID="1" presetClass="entr" presetSubtype="0" fill="hold" nodeType="clickEffect">
-                                  <p:stCondLst>
-                                    <p:cond delay="0"/>
-                                  </p:stCondLst>
-                                  <p:childTnLst>
-                                    <p:set>
-                                      <p:cBhvr>
-                                        <p:cTn id="14" dur="1" fill="hold">
-                                          <p:stCondLst>
-                                            <p:cond delay="0"/>
-                                          </p:stCondLst>
-                                        </p:cTn>
-                                        <p:tgtEl>
-                                          <p:spTgt spid="12">
-                                            <p:txEl>
-                                              <p:pRg st="0" end="0"/>
-                                            </p:txEl>
-                                          </p:spTgt>
-                                        </p:tgtEl>
-                                        <p:attrNameLst>
-                                          <p:attrName>style.visibility</p:attrName>
-                                        </p:attrNameLst>
-                                      </p:cBhvr>
-                                      <p:to>
-                                        <p:strVal val="visible"/>
-                                      </p:to>
-                                    </p:set>
-                                  </p:childTnLst>
-                                </p:cTn>
-                              </p:par>
-                            </p:childTnLst>
-                          </p:cTn>
-                        </p:par>
-                      </p:childTnLst>
-                    </p:cTn>
-                  </p:par>
-                  <p:par>
-                    <p:cTn id="15" fill="hold">
-                      <p:stCondLst>
-                        <p:cond delay="indefinite"/>
-                      </p:stCondLst>
-                      <p:childTnLst>
-                        <p:par>
-                          <p:cTn id="16" fill="hold">
-                            <p:stCondLst>
-                              <p:cond delay="0"/>
-                            </p:stCondLst>
-                            <p:childTnLst>
-                              <p:par>
-                                <p:cTn id="17" presetID="1" presetClass="entr" presetSubtype="0" fill="hold" nodeType="clickEffect">
-                                  <p:stCondLst>
-                                    <p:cond delay="0"/>
-                                  </p:stCondLst>
-                                  <p:childTnLst>
-                                    <p:set>
-                                      <p:cBhvr>
-                                        <p:cTn id="18" dur="1" fill="hold">
-                                          <p:stCondLst>
-                                            <p:cond delay="0"/>
-                                          </p:stCondLst>
-                                        </p:cTn>
-                                        <p:tgtEl>
-                                          <p:spTgt spid="12">
-                                            <p:txEl>
-                                              <p:pRg st="2" end="2"/>
-                                            </p:txEl>
-                                          </p:spTgt>
-                                        </p:tgtEl>
-                                        <p:attrNameLst>
-                                          <p:attrName>style.visibility</p:attrName>
-                                        </p:attrNameLst>
-                                      </p:cBhvr>
-                                      <p:to>
-                                        <p:strVal val="visible"/>
-                                      </p:to>
-                                    </p:set>
-                                  </p:childTnLst>
-                                </p:cTn>
-                              </p:par>
-                            </p:childTnLst>
-                          </p:cTn>
-                        </p:par>
-                      </p:childTnLst>
-                    </p:cTn>
-                  </p:par>
-                  <p:par>
-                    <p:cTn id="19" fill="hold">
-                      <p:stCondLst>
-                        <p:cond delay="indefinite"/>
-                      </p:stCondLst>
-                      <p:childTnLst>
-                        <p:par>
-                          <p:cTn id="20" fill="hold">
-                            <p:stCondLst>
-                              <p:cond delay="0"/>
-                            </p:stCondLst>
-                            <p:childTnLst>
-                              <p:par>
-                                <p:cTn id="21" presetID="1" presetClass="entr" presetSubtype="0" fill="hold" nodeType="clickEffect">
-                                  <p:stCondLst>
-                                    <p:cond delay="0"/>
-                                  </p:stCondLst>
-                                  <p:childTnLst>
-                                    <p:set>
-                                      <p:cBhvr>
-                                        <p:cTn id="22" dur="1" fill="hold">
-                                          <p:stCondLst>
-                                            <p:cond delay="0"/>
-                                          </p:stCondLst>
-                                        </p:cTn>
-                                        <p:tgtEl>
-                                          <p:spTgt spid="12">
-                                            <p:txEl>
-                                              <p:pRg st="2" end="2"/>
-                                            </p:txEl>
-                                          </p:spTgt>
-                                        </p:tgtEl>
-                                        <p:attrNameLst>
-                                          <p:attrName>style.visibility</p:attrName>
-                                        </p:attrNameLst>
-                                      </p:cBhvr>
-                                      <p:to>
-                                        <p:strVal val="visible"/>
-                                      </p:to>
-                                    </p:set>
-                                  </p:childTnLst>
-                                </p:cTn>
-                              </p:par>
-                            </p:childTnLst>
-                          </p:cTn>
-                        </p:par>
-                      </p:childTnLst>
-                    </p:cTn>
-                  </p:par>
-                  <p:par>
-                    <p:cTn id="23" fill="hold">
-                      <p:stCondLst>
-                        <p:cond delay="indefinite"/>
-                      </p:stCondLst>
-                      <p:childTnLst>
-                        <p:par>
-                          <p:cTn id="24" fill="hold">
-                            <p:stCondLst>
-                              <p:cond delay="0"/>
-                            </p:stCondLst>
-                            <p:childTnLst>
-                              <p:par>
-                                <p:cTn id="25" presetID="1" presetClass="entr" presetSubtype="0" fill="hold" nodeType="clickEffect">
-                                  <p:stCondLst>
-                                    <p:cond delay="0"/>
-                                  </p:stCondLst>
-                                  <p:childTnLst>
-                                    <p:set>
-                                      <p:cBhvr>
-                                        <p:cTn id="26" dur="1" fill="hold">
-                                          <p:stCondLst>
-                                            <p:cond delay="0"/>
-                                          </p:stCondLst>
-                                        </p:cTn>
-                                        <p:tgtEl>
-                                          <p:spTgt spid="12">
-                                            <p:txEl>
-                                              <p:pRg st="4" end="4"/>
-                                            </p:txEl>
-                                          </p:spTgt>
-                                        </p:tgtEl>
-                                        <p:attrNameLst>
-                                          <p:attrName>style.visibility</p:attrName>
-                                        </p:attrNameLst>
-                                      </p:cBhvr>
-                                      <p:to>
-                                        <p:strVal val="visible"/>
-                                      </p:to>
-                                    </p:set>
-                                  </p:childTnLst>
-                                </p:cTn>
-                              </p:par>
-                            </p:childTnLst>
-                          </p:cTn>
-                        </p:par>
-                      </p:childTnLst>
-                    </p:cTn>
-                  </p:par>
-                </p:childTnLst>
-              </p:cTn>
-              <p:prevCondLst>
-                <p:cond evt="onPrev" delay="0">
-                  <p:tgtEl>
-                    <p:sldTgt/>
-                  </p:tgtEl>
-                </p:cond>
-              </p:prevCondLst>
-              <p:nextCondLst>
-                <p:cond evt="onNext" delay="0">
-                  <p:tgtEl>
-                    <p:sldTgt/>
-                  </p:tgtEl>
-                </p:cond>
-              </p:nextCondLst>
-            </p:seq>
-          </p:childTnLst>
-        </p:cTn>
-      </p:par>
-    </p:tnLst>
-    <p:bldLst>
-      <p:bldP spid="4" grpId="0" animBg="1"/>
-      <p:bldP spid="3" grpId="0" animBg="1"/>
-      <p:bldP spid="8" grpId="0" animBg="1"/>
-    </p:bldLst>
-  </p:timing>
-</p:sld>
-</file>
-
 <file path=ppt/theme/theme1.xml><?xml version="1.0" encoding="utf-8"?>
 <a:theme xmlns:a="http://schemas.openxmlformats.org/drawingml/2006/main" name="Office Theme">
   <a:themeElements>
